--- a/03 Айсел Фейзи/Защита теория.pptx
+++ b/03 Айсел Фейзи/Защита теория.pptx
@@ -2,7 +2,7 @@
 <file path=ppt/presentation.xml><?xml version="1.0" encoding="utf-8"?>
 <p:presentation xmlns:a="http://schemas.openxmlformats.org/drawingml/2006/main" xmlns:r="http://schemas.openxmlformats.org/officeDocument/2006/relationships" xmlns:p="http://schemas.openxmlformats.org/presentationml/2006/main" saveSubsetFonts="1">
   <p:sldMasterIdLst>
-    <p:sldMasterId id="2147483886" r:id="rId1"/>
+    <p:sldMasterId id="2147484113" r:id="rId1"/>
   </p:sldMasterIdLst>
   <p:notesMasterIdLst>
     <p:notesMasterId r:id="rId12"/>
@@ -730,11 +730,7 @@
           <a:p>
             <a:r>
               <a:rPr lang="ru-RU" dirty="0" smtClean="0"/>
-              <a:t>Темата на моят дипломен проект е </a:t>
-            </a:r>
-            <a:r>
-              <a:rPr lang="ru-RU" dirty="0" smtClean="0"/>
-              <a:t>„Разработване на сайт за електронна търговия с дрехи, фокусиран основно върху организирането на онлайн пазаруването и администрирането на поръчките.“</a:t>
+              <a:t>Темата на моят дипломен проект е „Разработване на сайт за електронна търговия с дрехи, фокусиран основно върху организирането на онлайн пазаруването и администрирането на поръчките.“</a:t>
             </a:r>
             <a:endParaRPr lang="bg-BG" dirty="0"/>
           </a:p>
@@ -853,7 +849,6 @@
               <a:rPr lang="ru-RU" dirty="0" smtClean="0"/>
               <a:t>Няма съмнение, че външният вид на един сайт за  он-лайн търговия е от съществено значение. Но за пълноценното функциониране на електронния магазин е не по-малко важно той да предлага удобен начин за пазаруване и да има средства за обработка и проследяване на поръчките.</a:t>
             </a:r>
-            <a:endParaRPr lang="ru-RU" dirty="0" smtClean="0"/>
           </a:p>
         </p:txBody>
       </p:sp>
@@ -1381,7 +1376,6 @@
               <a:rPr lang="ru-RU" dirty="0" smtClean="0"/>
               <a:t> След като един от URL шаблоните съвпадне, Django извиква дадения изглед, който е функция или клас на Python. </a:t>
             </a:r>
-            <a:endParaRPr lang="ru-RU" dirty="0" smtClean="0"/>
           </a:p>
         </p:txBody>
       </p:sp>
@@ -1918,7 +1912,9 @@
               <a:buNone/>
               <a:defRPr sz="2100">
                 <a:solidFill>
-                  <a:schemeClr val="tx1"/>
+                  <a:schemeClr val="bg2">
+                    <a:lumMod val="75000"/>
+                  </a:schemeClr>
                 </a:solidFill>
               </a:defRPr>
             </a:lvl1pPr>
@@ -2255,7 +2251,7 @@
     </p:spTree>
     <p:extLst>
       <p:ext uri="{BB962C8B-B14F-4D97-AF65-F5344CB8AC3E}">
-        <p14:creationId xmlns:p14="http://schemas.microsoft.com/office/powerpoint/2010/main" val="1602738064"/>
+        <p14:creationId xmlns:p14="http://schemas.microsoft.com/office/powerpoint/2010/main" val="674393944"/>
       </p:ext>
     </p:extLst>
   </p:cSld>
@@ -2463,7 +2459,7 @@
           <a:bodyPr/>
           <a:lstStyle/>
           <a:p>
-            <a:fld id="{67AE9758-D769-4E42-94B1-23A9DCC9867C}" type="datetime1">
+            <a:fld id="{E59B4EEE-A5C8-4A54-856F-C3B6491BFA94}" type="datetime1">
               <a:rPr lang="bg-BG" smtClean="0"/>
               <a:t>12.5.2024 г.</a:t>
             </a:fld>
@@ -2516,13 +2512,14 @@
     </p:spTree>
     <p:extLst>
       <p:ext uri="{BB962C8B-B14F-4D97-AF65-F5344CB8AC3E}">
-        <p14:creationId xmlns:p14="http://schemas.microsoft.com/office/powerpoint/2010/main" val="3269768137"/>
+        <p14:creationId xmlns:p14="http://schemas.microsoft.com/office/powerpoint/2010/main" val="3922493068"/>
       </p:ext>
     </p:extLst>
   </p:cSld>
   <p:clrMapOvr>
     <a:masterClrMapping/>
   </p:clrMapOvr>
+  <p:hf sldNum="0" hdr="0" ftr="0" dt="0"/>
 </p:sldLayout>
 </file>
 
@@ -2602,7 +2599,9 @@
               <a:buNone/>
               <a:defRPr sz="2000">
                 <a:solidFill>
-                  <a:schemeClr val="tx1"/>
+                  <a:schemeClr val="bg2">
+                    <a:lumMod val="75000"/>
+                  </a:schemeClr>
                 </a:solidFill>
               </a:defRPr>
             </a:lvl1pPr>
@@ -2711,7 +2710,7 @@
           <a:bodyPr/>
           <a:lstStyle/>
           <a:p>
-            <a:fld id="{361CDE65-46CB-451E-8567-0EF192A9D732}" type="datetime1">
+            <a:fld id="{E59B4EEE-A5C8-4A54-856F-C3B6491BFA94}" type="datetime1">
               <a:rPr lang="bg-BG" smtClean="0"/>
               <a:t>12.5.2024 г.</a:t>
             </a:fld>
@@ -2764,13 +2763,14 @@
     </p:spTree>
     <p:extLst>
       <p:ext uri="{BB962C8B-B14F-4D97-AF65-F5344CB8AC3E}">
-        <p14:creationId xmlns:p14="http://schemas.microsoft.com/office/powerpoint/2010/main" val="710890688"/>
+        <p14:creationId xmlns:p14="http://schemas.microsoft.com/office/powerpoint/2010/main" val="430652298"/>
       </p:ext>
     </p:extLst>
   </p:cSld>
   <p:clrMapOvr>
     <a:masterClrMapping/>
   </p:clrMapOvr>
+  <p:hf sldNum="0" hdr="0" ftr="0" dt="0"/>
 </p:sldLayout>
 </file>
 
@@ -2908,7 +2908,9 @@
               <a:buNone/>
               <a:defRPr sz="2000">
                 <a:solidFill>
-                  <a:schemeClr val="tx1"/>
+                  <a:schemeClr val="bg2">
+                    <a:lumMod val="75000"/>
+                  </a:schemeClr>
                 </a:solidFill>
               </a:defRPr>
             </a:lvl1pPr>
@@ -3017,7 +3019,7 @@
           <a:bodyPr/>
           <a:lstStyle/>
           <a:p>
-            <a:fld id="{D287CBD5-1E22-4483-96D4-57E0B76752DD}" type="datetime1">
+            <a:fld id="{E59B4EEE-A5C8-4A54-856F-C3B6491BFA94}" type="datetime1">
               <a:rPr lang="bg-BG" smtClean="0"/>
               <a:t>12.5.2024 г.</a:t>
             </a:fld>
@@ -3138,13 +3140,14 @@
     </p:spTree>
     <p:extLst>
       <p:ext uri="{BB962C8B-B14F-4D97-AF65-F5344CB8AC3E}">
-        <p14:creationId xmlns:p14="http://schemas.microsoft.com/office/powerpoint/2010/main" val="4137500661"/>
+        <p14:creationId xmlns:p14="http://schemas.microsoft.com/office/powerpoint/2010/main" val="776097335"/>
       </p:ext>
     </p:extLst>
   </p:cSld>
   <p:clrMapOvr>
     <a:masterClrMapping/>
   </p:clrMapOvr>
+  <p:hf sldNum="0" hdr="0" ftr="0" dt="0"/>
 </p:sldLayout>
 </file>
 
@@ -3224,7 +3227,9 @@
               <a:buNone/>
               <a:defRPr sz="2000">
                 <a:solidFill>
-                  <a:schemeClr val="tx1"/>
+                  <a:schemeClr val="bg2">
+                    <a:lumMod val="75000"/>
+                  </a:schemeClr>
                 </a:solidFill>
               </a:defRPr>
             </a:lvl1pPr>
@@ -3333,7 +3338,7 @@
           <a:bodyPr/>
           <a:lstStyle/>
           <a:p>
-            <a:fld id="{D3094294-E651-4CD3-A3DF-7A7AB89AC69B}" type="datetime1">
+            <a:fld id="{E59B4EEE-A5C8-4A54-856F-C3B6491BFA94}" type="datetime1">
               <a:rPr lang="bg-BG" smtClean="0"/>
               <a:t>12.5.2024 г.</a:t>
             </a:fld>
@@ -3386,13 +3391,14 @@
     </p:spTree>
     <p:extLst>
       <p:ext uri="{BB962C8B-B14F-4D97-AF65-F5344CB8AC3E}">
-        <p14:creationId xmlns:p14="http://schemas.microsoft.com/office/powerpoint/2010/main" val="2331644464"/>
+        <p14:creationId xmlns:p14="http://schemas.microsoft.com/office/powerpoint/2010/main" val="1971877756"/>
       </p:ext>
     </p:extLst>
   </p:cSld>
   <p:clrMapOvr>
     <a:masterClrMapping/>
   </p:clrMapOvr>
+  <p:hf sldNum="0" hdr="0" ftr="0" dt="0"/>
 </p:sldLayout>
 </file>
 
@@ -3524,7 +3530,9 @@
               <a:buNone/>
               <a:defRPr sz="1800">
                 <a:solidFill>
-                  <a:schemeClr val="tx1"/>
+                  <a:schemeClr val="bg2">
+                    <a:lumMod val="75000"/>
+                  </a:schemeClr>
                 </a:solidFill>
               </a:defRPr>
             </a:lvl1pPr>
@@ -3633,7 +3641,7 @@
           <a:bodyPr/>
           <a:lstStyle/>
           <a:p>
-            <a:fld id="{932255A1-F527-46F0-99C9-DFA36BA8601D}" type="datetime1">
+            <a:fld id="{E59B4EEE-A5C8-4A54-856F-C3B6491BFA94}" type="datetime1">
               <a:rPr lang="bg-BG" smtClean="0"/>
               <a:t>12.5.2024 г.</a:t>
             </a:fld>
@@ -3754,13 +3762,14 @@
     </p:spTree>
     <p:extLst>
       <p:ext uri="{BB962C8B-B14F-4D97-AF65-F5344CB8AC3E}">
-        <p14:creationId xmlns:p14="http://schemas.microsoft.com/office/powerpoint/2010/main" val="2111598099"/>
+        <p14:creationId xmlns:p14="http://schemas.microsoft.com/office/powerpoint/2010/main" val="2703403852"/>
       </p:ext>
     </p:extLst>
   </p:cSld>
   <p:clrMapOvr>
     <a:masterClrMapping/>
   </p:clrMapOvr>
+  <p:hf sldNum="0" hdr="0" ftr="0" dt="0"/>
 </p:sldLayout>
 </file>
 
@@ -3889,7 +3898,9 @@
               <a:buNone/>
               <a:defRPr sz="1800">
                 <a:solidFill>
-                  <a:schemeClr val="tx1"/>
+                  <a:schemeClr val="bg2">
+                    <a:lumMod val="75000"/>
+                  </a:schemeClr>
                 </a:solidFill>
               </a:defRPr>
             </a:lvl1pPr>
@@ -3998,7 +4009,7 @@
           <a:bodyPr/>
           <a:lstStyle/>
           <a:p>
-            <a:fld id="{0E7071DD-522F-4D77-BE61-F38AB7575637}" type="datetime1">
+            <a:fld id="{E59B4EEE-A5C8-4A54-856F-C3B6491BFA94}" type="datetime1">
               <a:rPr lang="bg-BG" smtClean="0"/>
               <a:t>12.5.2024 г.</a:t>
             </a:fld>
@@ -4051,13 +4062,14 @@
     </p:spTree>
     <p:extLst>
       <p:ext uri="{BB962C8B-B14F-4D97-AF65-F5344CB8AC3E}">
-        <p14:creationId xmlns:p14="http://schemas.microsoft.com/office/powerpoint/2010/main" val="243554432"/>
+        <p14:creationId xmlns:p14="http://schemas.microsoft.com/office/powerpoint/2010/main" val="1180946203"/>
       </p:ext>
     </p:extLst>
   </p:cSld>
   <p:clrMapOvr>
     <a:masterClrMapping/>
   </p:clrMapOvr>
+  <p:hf sldNum="0" hdr="0" ftr="0" dt="0"/>
 </p:sldLayout>
 </file>
 
@@ -4225,7 +4237,7 @@
     </p:spTree>
     <p:extLst>
       <p:ext uri="{BB962C8B-B14F-4D97-AF65-F5344CB8AC3E}">
-        <p14:creationId xmlns:p14="http://schemas.microsoft.com/office/powerpoint/2010/main" val="674127519"/>
+        <p14:creationId xmlns:p14="http://schemas.microsoft.com/office/powerpoint/2010/main" val="625692281"/>
       </p:ext>
     </p:extLst>
   </p:cSld>
@@ -4405,7 +4417,7 @@
     </p:spTree>
     <p:extLst>
       <p:ext uri="{BB962C8B-B14F-4D97-AF65-F5344CB8AC3E}">
-        <p14:creationId xmlns:p14="http://schemas.microsoft.com/office/powerpoint/2010/main" val="912526814"/>
+        <p14:creationId xmlns:p14="http://schemas.microsoft.com/office/powerpoint/2010/main" val="318815608"/>
       </p:ext>
     </p:extLst>
   </p:cSld>
@@ -4575,7 +4587,7 @@
     </p:spTree>
     <p:extLst>
       <p:ext uri="{BB962C8B-B14F-4D97-AF65-F5344CB8AC3E}">
-        <p14:creationId xmlns:p14="http://schemas.microsoft.com/office/powerpoint/2010/main" val="1691309294"/>
+        <p14:creationId xmlns:p14="http://schemas.microsoft.com/office/powerpoint/2010/main" val="2327741226"/>
       </p:ext>
     </p:extLst>
   </p:cSld>
@@ -4661,7 +4673,9 @@
               <a:buNone/>
               <a:defRPr sz="1800">
                 <a:solidFill>
-                  <a:schemeClr val="tx1"/>
+                  <a:schemeClr val="bg2">
+                    <a:lumMod val="75000"/>
+                  </a:schemeClr>
                 </a:solidFill>
               </a:defRPr>
             </a:lvl1pPr>
@@ -4823,7 +4837,7 @@
     </p:spTree>
     <p:extLst>
       <p:ext uri="{BB962C8B-B14F-4D97-AF65-F5344CB8AC3E}">
-        <p14:creationId xmlns:p14="http://schemas.microsoft.com/office/powerpoint/2010/main" val="287624594"/>
+        <p14:creationId xmlns:p14="http://schemas.microsoft.com/office/powerpoint/2010/main" val="2463131735"/>
       </p:ext>
     </p:extLst>
   </p:cSld>
@@ -5059,7 +5073,7 @@
     </p:spTree>
     <p:extLst>
       <p:ext uri="{BB962C8B-B14F-4D97-AF65-F5344CB8AC3E}">
-        <p14:creationId xmlns:p14="http://schemas.microsoft.com/office/powerpoint/2010/main" val="453405451"/>
+        <p14:creationId xmlns:p14="http://schemas.microsoft.com/office/powerpoint/2010/main" val="185538913"/>
       </p:ext>
     </p:extLst>
   </p:cSld>
@@ -5441,7 +5455,7 @@
     </p:spTree>
     <p:extLst>
       <p:ext uri="{BB962C8B-B14F-4D97-AF65-F5344CB8AC3E}">
-        <p14:creationId xmlns:p14="http://schemas.microsoft.com/office/powerpoint/2010/main" val="3405363063"/>
+        <p14:creationId xmlns:p14="http://schemas.microsoft.com/office/powerpoint/2010/main" val="586990544"/>
       </p:ext>
     </p:extLst>
   </p:cSld>
@@ -5559,7 +5573,7 @@
     </p:spTree>
     <p:extLst>
       <p:ext uri="{BB962C8B-B14F-4D97-AF65-F5344CB8AC3E}">
-        <p14:creationId xmlns:p14="http://schemas.microsoft.com/office/powerpoint/2010/main" val="3934428708"/>
+        <p14:creationId xmlns:p14="http://schemas.microsoft.com/office/powerpoint/2010/main" val="1229326030"/>
       </p:ext>
     </p:extLst>
   </p:cSld>
@@ -5654,7 +5668,7 @@
     </p:spTree>
     <p:extLst>
       <p:ext uri="{BB962C8B-B14F-4D97-AF65-F5344CB8AC3E}">
-        <p14:creationId xmlns:p14="http://schemas.microsoft.com/office/powerpoint/2010/main" val="987542728"/>
+        <p14:creationId xmlns:p14="http://schemas.microsoft.com/office/powerpoint/2010/main" val="754346030"/>
       </p:ext>
     </p:extLst>
   </p:cSld>
@@ -5909,7 +5923,7 @@
     </p:spTree>
     <p:extLst>
       <p:ext uri="{BB962C8B-B14F-4D97-AF65-F5344CB8AC3E}">
-        <p14:creationId xmlns:p14="http://schemas.microsoft.com/office/powerpoint/2010/main" val="3012609409"/>
+        <p14:creationId xmlns:p14="http://schemas.microsoft.com/office/powerpoint/2010/main" val="2471776881"/>
       </p:ext>
     </p:extLst>
   </p:cSld>
@@ -6192,7 +6206,7 @@
     </p:spTree>
     <p:extLst>
       <p:ext uri="{BB962C8B-B14F-4D97-AF65-F5344CB8AC3E}">
-        <p14:creationId xmlns:p14="http://schemas.microsoft.com/office/powerpoint/2010/main" val="1562778894"/>
+        <p14:creationId xmlns:p14="http://schemas.microsoft.com/office/powerpoint/2010/main" val="2892253977"/>
       </p:ext>
     </p:extLst>
   </p:cSld>
@@ -6638,29 +6652,29 @@
     </p:spTree>
     <p:extLst>
       <p:ext uri="{BB962C8B-B14F-4D97-AF65-F5344CB8AC3E}">
-        <p14:creationId xmlns:p14="http://schemas.microsoft.com/office/powerpoint/2010/main" val="3830348761"/>
+        <p14:creationId xmlns:p14="http://schemas.microsoft.com/office/powerpoint/2010/main" val="2361328369"/>
       </p:ext>
     </p:extLst>
   </p:cSld>
-  <p:clrMap bg1="lt1" tx1="dk1" bg2="lt2" tx2="dk2" accent1="accent1" accent2="accent2" accent3="accent3" accent4="accent4" accent5="accent5" accent6="accent6" hlink="hlink" folHlink="folHlink"/>
+  <p:clrMap bg1="dk1" tx1="lt1" bg2="dk2" tx2="lt2" accent1="accent1" accent2="accent2" accent3="accent3" accent4="accent4" accent5="accent5" accent6="accent6" hlink="hlink" folHlink="folHlink"/>
   <p:sldLayoutIdLst>
-    <p:sldLayoutId id="2147483887" r:id="rId1"/>
-    <p:sldLayoutId id="2147483888" r:id="rId2"/>
-    <p:sldLayoutId id="2147483889" r:id="rId3"/>
-    <p:sldLayoutId id="2147483890" r:id="rId4"/>
-    <p:sldLayoutId id="2147483891" r:id="rId5"/>
-    <p:sldLayoutId id="2147483892" r:id="rId6"/>
-    <p:sldLayoutId id="2147483893" r:id="rId7"/>
-    <p:sldLayoutId id="2147483894" r:id="rId8"/>
-    <p:sldLayoutId id="2147483895" r:id="rId9"/>
-    <p:sldLayoutId id="2147483896" r:id="rId10"/>
-    <p:sldLayoutId id="2147483897" r:id="rId11"/>
-    <p:sldLayoutId id="2147483898" r:id="rId12"/>
-    <p:sldLayoutId id="2147483899" r:id="rId13"/>
-    <p:sldLayoutId id="2147483900" r:id="rId14"/>
-    <p:sldLayoutId id="2147483901" r:id="rId15"/>
-    <p:sldLayoutId id="2147483902" r:id="rId16"/>
-    <p:sldLayoutId id="2147483903" r:id="rId17"/>
+    <p:sldLayoutId id="2147484114" r:id="rId1"/>
+    <p:sldLayoutId id="2147484115" r:id="rId2"/>
+    <p:sldLayoutId id="2147484116" r:id="rId3"/>
+    <p:sldLayoutId id="2147484117" r:id="rId4"/>
+    <p:sldLayoutId id="2147484118" r:id="rId5"/>
+    <p:sldLayoutId id="2147484119" r:id="rId6"/>
+    <p:sldLayoutId id="2147484120" r:id="rId7"/>
+    <p:sldLayoutId id="2147484121" r:id="rId8"/>
+    <p:sldLayoutId id="2147484122" r:id="rId9"/>
+    <p:sldLayoutId id="2147484123" r:id="rId10"/>
+    <p:sldLayoutId id="2147484124" r:id="rId11"/>
+    <p:sldLayoutId id="2147484125" r:id="rId12"/>
+    <p:sldLayoutId id="2147484126" r:id="rId13"/>
+    <p:sldLayoutId id="2147484127" r:id="rId14"/>
+    <p:sldLayoutId id="2147484128" r:id="rId15"/>
+    <p:sldLayoutId id="2147484129" r:id="rId16"/>
+    <p:sldLayoutId id="2147484130" r:id="rId17"/>
   </p:sldLayoutIdLst>
   <p:hf sldNum="0" hdr="0" ftr="0" dt="0"/>
   <p:txStyles>
@@ -6756,7 +6770,9 @@
         <a:buChar char=""/>
         <a:defRPr sz="2000" kern="1200" cap="none">
           <a:solidFill>
-            <a:schemeClr val="tx1"/>
+            <a:schemeClr val="bg2">
+              <a:lumMod val="75000"/>
+            </a:schemeClr>
           </a:solidFill>
           <a:effectLst/>
           <a:latin typeface="+mn-lt"/>
@@ -6779,7 +6795,9 @@
         <a:buChar char=""/>
         <a:defRPr sz="1800" kern="1200" cap="none">
           <a:solidFill>
-            <a:schemeClr val="tx1"/>
+            <a:schemeClr val="bg2">
+              <a:lumMod val="75000"/>
+            </a:schemeClr>
           </a:solidFill>
           <a:effectLst/>
           <a:latin typeface="+mn-lt"/>
@@ -6802,7 +6820,9 @@
         <a:buChar char=""/>
         <a:defRPr sz="1600" kern="1200" cap="none">
           <a:solidFill>
-            <a:schemeClr val="tx1"/>
+            <a:schemeClr val="bg2">
+              <a:lumMod val="75000"/>
+            </a:schemeClr>
           </a:solidFill>
           <a:effectLst/>
           <a:latin typeface="+mn-lt"/>
@@ -6825,7 +6845,9 @@
         <a:buChar char=""/>
         <a:defRPr sz="1400" kern="1200" cap="none">
           <a:solidFill>
-            <a:schemeClr val="tx1"/>
+            <a:schemeClr val="bg2">
+              <a:lumMod val="75000"/>
+            </a:schemeClr>
           </a:solidFill>
           <a:effectLst/>
           <a:latin typeface="+mn-lt"/>
@@ -6848,7 +6870,9 @@
         <a:buChar char=""/>
         <a:defRPr sz="1400" kern="1200" cap="none">
           <a:solidFill>
-            <a:schemeClr val="tx1"/>
+            <a:schemeClr val="bg2">
+              <a:lumMod val="75000"/>
+            </a:schemeClr>
           </a:solidFill>
           <a:effectLst/>
           <a:latin typeface="+mn-lt"/>
@@ -6871,7 +6895,9 @@
         <a:buChar char=""/>
         <a:defRPr sz="1400" kern="1200" cap="none">
           <a:solidFill>
-            <a:schemeClr val="tx1"/>
+            <a:schemeClr val="bg2">
+              <a:lumMod val="75000"/>
+            </a:schemeClr>
           </a:solidFill>
           <a:effectLst/>
           <a:latin typeface="+mn-lt"/>
@@ -6894,7 +6920,9 @@
         <a:buChar char=""/>
         <a:defRPr sz="1400" kern="1200" cap="none">
           <a:solidFill>
-            <a:schemeClr val="tx1"/>
+            <a:schemeClr val="bg2">
+              <a:lumMod val="75000"/>
+            </a:schemeClr>
           </a:solidFill>
           <a:effectLst/>
           <a:latin typeface="+mn-lt"/>
@@ -6917,7 +6945,9 @@
         <a:buChar char=""/>
         <a:defRPr sz="1400" kern="1200" cap="none">
           <a:solidFill>
-            <a:schemeClr val="tx1"/>
+            <a:schemeClr val="bg2">
+              <a:lumMod val="75000"/>
+            </a:schemeClr>
           </a:solidFill>
           <a:effectLst/>
           <a:latin typeface="+mn-lt"/>
@@ -6940,7 +6970,9 @@
         <a:buChar char=""/>
         <a:defRPr sz="1400" kern="1200" cap="none">
           <a:solidFill>
-            <a:schemeClr val="tx1"/>
+            <a:schemeClr val="bg2">
+              <a:lumMod val="75000"/>
+            </a:schemeClr>
           </a:solidFill>
           <a:effectLst/>
           <a:latin typeface="+mn-lt"/>
@@ -7087,7 +7119,7 @@
         </p:blipFill>
         <p:spPr>
           <a:xfrm>
-            <a:off x="78246" y="172201"/>
+            <a:off x="0" y="226792"/>
             <a:ext cx="1221594" cy="1221594"/>
           </a:xfrm>
           <a:prstGeom prst="rect">
@@ -7124,7 +7156,7 @@
         </p:nvSpPr>
         <p:spPr>
           <a:xfrm>
-            <a:off x="1260629" y="106532"/>
+            <a:off x="1182383" y="161123"/>
             <a:ext cx="10599938" cy="1200329"/>
           </a:xfrm>
           <a:prstGeom prst="rect">
@@ -7149,8 +7181,8 @@
             <a:r>
               <a:rPr lang="bg-BG" b="1" dirty="0">
                 <a:solidFill>
-                  <a:schemeClr val="bg2">
-                    <a:lumMod val="50000"/>
+                  <a:schemeClr val="tx1">
+                    <a:lumMod val="95000"/>
                   </a:schemeClr>
                 </a:solidFill>
               </a:rPr>
@@ -7158,8 +7190,8 @@
             </a:r>
             <a:endParaRPr lang="bg-BG" dirty="0">
               <a:solidFill>
-                <a:schemeClr val="bg2">
-                  <a:lumMod val="50000"/>
+                <a:schemeClr val="tx1">
+                  <a:lumMod val="95000"/>
                 </a:schemeClr>
               </a:solidFill>
             </a:endParaRPr>
@@ -7169,8 +7201,8 @@
             <a:r>
               <a:rPr lang="bg-BG" b="1" dirty="0">
                 <a:solidFill>
-                  <a:schemeClr val="bg2">
-                    <a:lumMod val="50000"/>
+                  <a:schemeClr val="tx1">
+                    <a:lumMod val="95000"/>
                   </a:schemeClr>
                 </a:solidFill>
               </a:rPr>
@@ -7178,8 +7210,8 @@
             </a:r>
             <a:endParaRPr lang="bg-BG" dirty="0">
               <a:solidFill>
-                <a:schemeClr val="bg2">
-                  <a:lumMod val="50000"/>
+                <a:schemeClr val="tx1">
+                  <a:lumMod val="95000"/>
                 </a:schemeClr>
               </a:solidFill>
             </a:endParaRPr>
@@ -7189,8 +7221,8 @@
             <a:r>
               <a:rPr lang="bg-BG" b="1" dirty="0">
                 <a:solidFill>
-                  <a:schemeClr val="bg2">
-                    <a:lumMod val="50000"/>
+                  <a:schemeClr val="tx1">
+                    <a:lumMod val="95000"/>
                   </a:schemeClr>
                 </a:solidFill>
               </a:rPr>
@@ -7198,8 +7230,8 @@
             </a:r>
             <a:endParaRPr lang="bg-BG" dirty="0">
               <a:solidFill>
-                <a:schemeClr val="bg2">
-                  <a:lumMod val="50000"/>
+                <a:schemeClr val="tx1">
+                  <a:lumMod val="95000"/>
                 </a:schemeClr>
               </a:solidFill>
             </a:endParaRPr>
@@ -7214,7 +7246,7 @@
         </p:nvSpPr>
         <p:spPr>
           <a:xfrm>
-            <a:off x="242019" y="1784556"/>
+            <a:off x="314734" y="2171103"/>
             <a:ext cx="8031332" cy="1631216"/>
           </a:xfrm>
           <a:prstGeom prst="rect">
@@ -7241,6 +7273,9 @@
             </a:pPr>
             <a:r>
               <a:rPr lang="bg-BG" sz="2800" b="1" dirty="0">
+                <a:solidFill>
+                  <a:schemeClr val="bg1"/>
+                </a:solidFill>
                 <a:latin typeface="Calibri" panose="020F0502020204030204" pitchFamily="34" charset="0"/>
                 <a:ea typeface="Times New Roman" panose="02020603050405020304" pitchFamily="18" charset="0"/>
                 <a:cs typeface="Times New Roman" panose="02020603050405020304" pitchFamily="18" charset="0"/>
@@ -7249,6 +7284,9 @@
             </a:r>
             <a:r>
               <a:rPr lang="bg-BG" sz="2800" dirty="0">
+                <a:solidFill>
+                  <a:schemeClr val="bg1"/>
+                </a:solidFill>
                 <a:latin typeface="Calibri" panose="020F0502020204030204" pitchFamily="34" charset="0"/>
                 <a:ea typeface="Times New Roman" panose="02020603050405020304" pitchFamily="18" charset="0"/>
                 <a:cs typeface="Times New Roman" panose="02020603050405020304" pitchFamily="18" charset="0"/>
@@ -7257,6 +7295,9 @@
             </a:r>
             <a:r>
               <a:rPr lang="ru-RU" sz="2400" dirty="0">
+                <a:solidFill>
+                  <a:schemeClr val="bg1"/>
+                </a:solidFill>
                 <a:latin typeface="Calibri" panose="020F0502020204030204" pitchFamily="34" charset="0"/>
                 <a:ea typeface="Times New Roman" panose="02020603050405020304" pitchFamily="18" charset="0"/>
                 <a:cs typeface="Times New Roman" panose="02020603050405020304" pitchFamily="18" charset="0"/>
@@ -7264,6 +7305,9 @@
               <a:t>Разработване на сайт за електронна търговия с дрехи, фокусиран основно върху организирането на онлайн пазаруването и администрирането на поръчките.</a:t>
             </a:r>
             <a:endParaRPr lang="bg-BG" dirty="0">
+              <a:solidFill>
+                <a:schemeClr val="bg1"/>
+              </a:solidFill>
               <a:effectLst/>
               <a:latin typeface="Calibri" panose="020F0502020204030204" pitchFamily="34" charset="0"/>
               <a:ea typeface="Times New Roman" panose="02020603050405020304" pitchFamily="18" charset="0"/>
@@ -7280,8 +7324,8 @@
         </p:nvSpPr>
         <p:spPr>
           <a:xfrm>
-            <a:off x="8636556" y="5350463"/>
-            <a:ext cx="3555444" cy="1061829"/>
+            <a:off x="8346066" y="4994108"/>
+            <a:ext cx="3555444" cy="1200329"/>
           </a:xfrm>
           <a:prstGeom prst="rect">
             <a:avLst/>
@@ -7307,36 +7351,125 @@
             </a:pPr>
             <a:r>
               <a:rPr lang="bg-BG" dirty="0">
+                <a:solidFill>
+                  <a:schemeClr val="bg1"/>
+                </a:solidFill>
+                <a:effectLst>
+                  <a:outerShdw blurRad="38100" dist="38100" dir="2700000" algn="tl">
+                    <a:srgbClr val="000000">
+                      <a:alpha val="43137"/>
+                    </a:srgbClr>
+                  </a:outerShdw>
+                </a:effectLst>
                 <a:latin typeface="Times New Roman" panose="02020603050405020304" pitchFamily="18" charset="0"/>
                 <a:ea typeface="Times New Roman" panose="02020603050405020304" pitchFamily="18" charset="0"/>
               </a:rPr>
               <a:t>Дипломант: </a:t>
             </a:r>
-          </a:p>
-          <a:p>
-            <a:pPr>
-              <a:tabLst>
-                <a:tab pos="1168400" algn="l"/>
-              </a:tabLst>
-            </a:pPr>
-            <a:r>
-              <a:rPr lang="bg-BG" dirty="0" smtClean="0">
+            <a:r>
+              <a:rPr lang="en-US" dirty="0" smtClean="0">
+                <a:solidFill>
+                  <a:schemeClr val="bg1"/>
+                </a:solidFill>
+                <a:effectLst>
+                  <a:outerShdw blurRad="38100" dist="38100" dir="2700000" algn="tl">
+                    <a:srgbClr val="000000">
+                      <a:alpha val="43137"/>
+                    </a:srgbClr>
+                  </a:outerShdw>
+                </a:effectLst>
                 <a:latin typeface="Times New Roman" panose="02020603050405020304" pitchFamily="18" charset="0"/>
                 <a:ea typeface="Times New Roman" panose="02020603050405020304" pitchFamily="18" charset="0"/>
               </a:rPr>
-              <a:t>	</a:t>
-            </a:r>
-            <a:r>
-              <a:rPr lang="bg-BG" dirty="0">
+              <a:t> </a:t>
+            </a:r>
+            <a:endParaRPr lang="en-US" dirty="0" smtClean="0">
+              <a:solidFill>
+                <a:schemeClr val="bg1"/>
+              </a:solidFill>
+              <a:effectLst>
+                <a:outerShdw blurRad="38100" dist="38100" dir="2700000" algn="tl">
+                  <a:srgbClr val="000000">
+                    <a:alpha val="43137"/>
+                  </a:srgbClr>
+                </a:outerShdw>
+              </a:effectLst>
+              <a:latin typeface="Times New Roman" panose="02020603050405020304" pitchFamily="18" charset="0"/>
+              <a:ea typeface="Times New Roman" panose="02020603050405020304" pitchFamily="18" charset="0"/>
+            </a:endParaRPr>
+          </a:p>
+          <a:p>
+            <a:pPr indent="1255713">
+              <a:lnSpc>
+                <a:spcPct val="150000"/>
+              </a:lnSpc>
+              <a:spcAft>
+                <a:spcPts val="0"/>
+              </a:spcAft>
+              <a:tabLst>
+                <a:tab pos="1254125" algn="l"/>
+              </a:tabLst>
+            </a:pPr>
+            <a:r>
+              <a:rPr lang="bg-BG" dirty="0" smtClean="0">
+                <a:solidFill>
+                  <a:schemeClr val="bg1"/>
+                </a:solidFill>
+                <a:effectLst>
+                  <a:outerShdw blurRad="38100" dist="38100" dir="2700000" algn="tl">
+                    <a:srgbClr val="000000">
+                      <a:alpha val="43137"/>
+                    </a:srgbClr>
+                  </a:outerShdw>
+                </a:effectLst>
                 <a:latin typeface="Times New Roman" panose="02020603050405020304" pitchFamily="18" charset="0"/>
                 <a:ea typeface="Times New Roman" panose="02020603050405020304" pitchFamily="18" charset="0"/>
               </a:rPr>
-              <a:t>Айсел Фейзи</a:t>
-            </a:r>
-            <a:endParaRPr lang="bg-BG" dirty="0"/>
-          </a:p>
-          <a:p>
-            <a:endParaRPr lang="bg-BG" dirty="0"/>
+              <a:t>Айсел </a:t>
+            </a:r>
+            <a:r>
+              <a:rPr lang="bg-BG" dirty="0">
+                <a:solidFill>
+                  <a:schemeClr val="bg1"/>
+                </a:solidFill>
+                <a:effectLst>
+                  <a:outerShdw blurRad="38100" dist="38100" dir="2700000" algn="tl">
+                    <a:srgbClr val="000000">
+                      <a:alpha val="43137"/>
+                    </a:srgbClr>
+                  </a:outerShdw>
+                </a:effectLst>
+                <a:latin typeface="Times New Roman" panose="02020603050405020304" pitchFamily="18" charset="0"/>
+                <a:ea typeface="Times New Roman" panose="02020603050405020304" pitchFamily="18" charset="0"/>
+              </a:rPr>
+              <a:t>Фейзи</a:t>
+            </a:r>
+            <a:endParaRPr lang="bg-BG" dirty="0">
+              <a:solidFill>
+                <a:schemeClr val="bg1"/>
+              </a:solidFill>
+              <a:effectLst>
+                <a:outerShdw blurRad="38100" dist="38100" dir="2700000" algn="tl">
+                  <a:srgbClr val="000000">
+                    <a:alpha val="43137"/>
+                  </a:srgbClr>
+                </a:outerShdw>
+              </a:effectLst>
+            </a:endParaRPr>
+          </a:p>
+          <a:p>
+            <a:endParaRPr lang="bg-BG" dirty="0">
+              <a:solidFill>
+                <a:schemeClr val="bg1"/>
+              </a:solidFill>
+              <a:effectLst>
+                <a:outerShdw blurRad="38100" dist="38100" dir="2700000" algn="tl">
+                  <a:srgbClr val="000000">
+                    <a:alpha val="43137"/>
+                  </a:srgbClr>
+                </a:outerShdw>
+              </a:effectLst>
+            </a:endParaRPr>
           </a:p>
         </p:txBody>
       </p:sp>
@@ -7461,6 +7594,20 @@
 <file path=ppt/slides/slide2.xml><?xml version="1.0" encoding="utf-8"?>
 <p:sld xmlns:a="http://schemas.openxmlformats.org/drawingml/2006/main" xmlns:r="http://schemas.openxmlformats.org/officeDocument/2006/relationships" xmlns:p="http://schemas.openxmlformats.org/presentationml/2006/main">
   <p:cSld>
+    <p:bg>
+      <p:bgPr>
+        <a:blipFill dpi="0" rotWithShape="1">
+          <a:blip r:embed="rId3">
+            <a:lum/>
+          </a:blip>
+          <a:srcRect/>
+          <a:stretch>
+            <a:fillRect l="-6000" r="-6000"/>
+          </a:stretch>
+        </a:blipFill>
+        <a:effectLst/>
+      </p:bgPr>
+    </p:bg>
     <p:spTree>
       <p:nvGrpSpPr>
         <p:cNvPr id="1" name=""/>
@@ -7475,36 +7622,6 @@
           <a:chExt cx="0" cy="0"/>
         </a:xfrm>
       </p:grpSpPr>
-      <p:sp>
-        <p:nvSpPr>
-          <p:cNvPr id="3" name="TextBox 2"/>
-          <p:cNvSpPr txBox="1"/>
-          <p:nvPr/>
-        </p:nvSpPr>
-        <p:spPr>
-          <a:xfrm>
-            <a:off x="1037230" y="736979"/>
-            <a:ext cx="731290" cy="369332"/>
-          </a:xfrm>
-          <a:prstGeom prst="rect">
-            <a:avLst/>
-          </a:prstGeom>
-          <a:noFill/>
-        </p:spPr>
-        <p:txBody>
-          <a:bodyPr wrap="none" rtlCol="0">
-            <a:spAutoFit/>
-          </a:bodyPr>
-          <a:lstStyle/>
-          <a:p>
-            <a:r>
-              <a:rPr lang="bg-BG" dirty="0" smtClean="0"/>
-              <a:t>Увод</a:t>
-            </a:r>
-            <a:endParaRPr lang="bg-BG" dirty="0"/>
-          </a:p>
-        </p:txBody>
-      </p:sp>
     </p:spTree>
     <p:extLst>
       <p:ext uri="{BB962C8B-B14F-4D97-AF65-F5344CB8AC3E}">
@@ -7515,12 +7632,33 @@
   <p:clrMapOvr>
     <a:masterClrMapping/>
   </p:clrMapOvr>
+  <p:timing>
+    <p:tnLst>
+      <p:par>
+        <p:cTn id="1" dur="indefinite" restart="never" nodeType="tmRoot"/>
+      </p:par>
+    </p:tnLst>
+  </p:timing>
 </p:sld>
 </file>
 
 <file path=ppt/slides/slide3.xml><?xml version="1.0" encoding="utf-8"?>
 <p:sld xmlns:a="http://schemas.openxmlformats.org/drawingml/2006/main" xmlns:r="http://schemas.openxmlformats.org/officeDocument/2006/relationships" xmlns:p="http://schemas.openxmlformats.org/presentationml/2006/main">
   <p:cSld>
+    <p:bg>
+      <p:bgPr>
+        <a:blipFill dpi="0" rotWithShape="1">
+          <a:blip r:embed="rId3">
+            <a:lum/>
+          </a:blip>
+          <a:srcRect/>
+          <a:stretch>
+            <a:fillRect l="-7000" r="-7000"/>
+          </a:stretch>
+        </a:blipFill>
+        <a:effectLst/>
+      </p:bgPr>
+    </p:bg>
     <p:spTree>
       <p:nvGrpSpPr>
         <p:cNvPr id="1" name=""/>
@@ -7543,8 +7681,8 @@
         </p:nvSpPr>
         <p:spPr>
           <a:xfrm>
-            <a:off x="1405719" y="900752"/>
-            <a:ext cx="6848350" cy="369332"/>
+            <a:off x="8634483" y="122830"/>
+            <a:ext cx="3132589" cy="707886"/>
           </a:xfrm>
           <a:prstGeom prst="rect">
             <a:avLst/>
@@ -7558,10 +7696,62 @@
           <a:lstStyle/>
           <a:p>
             <a:r>
-              <a:rPr lang="ru-RU" dirty="0"/>
-              <a:t>Представяне(на фон е основната страница на проекта)</a:t>
-            </a:r>
-            <a:endParaRPr lang="bg-BG" dirty="0"/>
+              <a:rPr lang="ru-RU" sz="4000" b="1" dirty="0" smtClean="0">
+                <a:solidFill>
+                  <a:schemeClr val="bg1"/>
+                </a:solidFill>
+                <a:effectLst>
+                  <a:outerShdw blurRad="38100" dist="38100" dir="2700000" algn="tl">
+                    <a:srgbClr val="000000">
+                      <a:alpha val="43137"/>
+                    </a:srgbClr>
+                  </a:outerShdw>
+                </a:effectLst>
+              </a:rPr>
+              <a:t>За</a:t>
+            </a:r>
+            <a:r>
+              <a:rPr lang="en-US" sz="4000" b="1" dirty="0" smtClean="0">
+                <a:solidFill>
+                  <a:schemeClr val="bg1"/>
+                </a:solidFill>
+                <a:effectLst>
+                  <a:outerShdw blurRad="38100" dist="38100" dir="2700000" algn="tl">
+                    <a:srgbClr val="000000">
+                      <a:alpha val="43137"/>
+                    </a:srgbClr>
+                  </a:outerShdw>
+                </a:effectLst>
+              </a:rPr>
+              <a:t> </a:t>
+            </a:r>
+            <a:r>
+              <a:rPr lang="bg-BG" sz="4000" b="1" dirty="0" smtClean="0">
+                <a:solidFill>
+                  <a:schemeClr val="bg1"/>
+                </a:solidFill>
+                <a:effectLst>
+                  <a:outerShdw blurRad="38100" dist="38100" dir="2700000" algn="tl">
+                    <a:srgbClr val="000000">
+                      <a:alpha val="43137"/>
+                    </a:srgbClr>
+                  </a:outerShdw>
+                </a:effectLst>
+              </a:rPr>
+              <a:t>проекта</a:t>
+            </a:r>
+            <a:endParaRPr lang="bg-BG" sz="4000" b="1" dirty="0">
+              <a:solidFill>
+                <a:schemeClr val="bg1"/>
+              </a:solidFill>
+              <a:effectLst>
+                <a:outerShdw blurRad="38100" dist="38100" dir="2700000" algn="tl">
+                  <a:srgbClr val="000000">
+                    <a:alpha val="43137"/>
+                  </a:srgbClr>
+                </a:outerShdw>
+              </a:effectLst>
+            </a:endParaRPr>
           </a:p>
         </p:txBody>
       </p:sp>
@@ -7575,12 +7765,33 @@
   <p:clrMapOvr>
     <a:masterClrMapping/>
   </p:clrMapOvr>
+  <p:timing>
+    <p:tnLst>
+      <p:par>
+        <p:cTn id="1" dur="indefinite" restart="never" nodeType="tmRoot"/>
+      </p:par>
+    </p:tnLst>
+  </p:timing>
 </p:sld>
 </file>
 
 <file path=ppt/slides/slide4.xml><?xml version="1.0" encoding="utf-8"?>
 <p:sld xmlns:a="http://schemas.openxmlformats.org/drawingml/2006/main" xmlns:r="http://schemas.openxmlformats.org/officeDocument/2006/relationships" xmlns:p="http://schemas.openxmlformats.org/presentationml/2006/main">
   <p:cSld>
+    <p:bg>
+      <p:bgPr>
+        <a:blipFill dpi="0" rotWithShape="1">
+          <a:blip r:embed="rId3">
+            <a:lum/>
+          </a:blip>
+          <a:srcRect/>
+          <a:stretch>
+            <a:fillRect t="-6000" b="-6000"/>
+          </a:stretch>
+        </a:blipFill>
+        <a:effectLst/>
+      </p:bgPr>
+    </p:bg>
     <p:spTree>
       <p:nvGrpSpPr>
         <p:cNvPr id="1" name=""/>
@@ -7603,8 +7814,8 @@
         </p:nvSpPr>
         <p:spPr>
           <a:xfrm>
-            <a:off x="598616" y="501134"/>
-            <a:ext cx="2871299" cy="369332"/>
+            <a:off x="1240061" y="787737"/>
+            <a:ext cx="6154249" cy="707886"/>
           </a:xfrm>
           <a:prstGeom prst="rect">
             <a:avLst/>
@@ -7617,10 +7828,17 @@
           <a:lstStyle/>
           <a:p>
             <a:r>
-              <a:rPr lang="bg-BG" dirty="0"/>
+              <a:rPr lang="bg-BG" sz="4000" b="1" dirty="0">
+                <a:effectLst>
+                  <a:outerShdw blurRad="38100" dist="38100" dir="2700000" algn="tl">
+                    <a:srgbClr val="000000">
+                      <a:alpha val="43137"/>
+                    </a:srgbClr>
+                  </a:outerShdw>
+                </a:effectLst>
+              </a:rPr>
               <a:t>Разделяне на функции</a:t>
             </a:r>
-            <a:endParaRPr lang="bg-BG" dirty="0"/>
           </a:p>
         </p:txBody>
       </p:sp>
@@ -7634,6 +7852,13 @@
   <p:clrMapOvr>
     <a:masterClrMapping/>
   </p:clrMapOvr>
+  <p:timing>
+    <p:tnLst>
+      <p:par>
+        <p:cTn id="1" dur="indefinite" restart="never" nodeType="tmRoot"/>
+      </p:par>
+    </p:tnLst>
+  </p:timing>
 </p:sld>
 </file>
 
@@ -7662,8 +7887,8 @@
         </p:nvSpPr>
         <p:spPr>
           <a:xfrm>
-            <a:off x="449048" y="555725"/>
-            <a:ext cx="1691489" cy="369332"/>
+            <a:off x="2121194" y="-64183"/>
+            <a:ext cx="7949612" cy="707886"/>
           </a:xfrm>
           <a:prstGeom prst="rect">
             <a:avLst/>
@@ -7676,13 +7901,53 @@
           <a:lstStyle/>
           <a:p>
             <a:r>
-              <a:rPr lang="bg-BG" dirty="0"/>
-              <a:t>Структурата </a:t>
-            </a:r>
-            <a:endParaRPr lang="bg-BG" dirty="0"/>
-          </a:p>
-        </p:txBody>
-      </p:sp>
+              <a:rPr lang="bg-BG" sz="4000" b="1" dirty="0" smtClean="0">
+                <a:effectLst>
+                  <a:outerShdw blurRad="38100" dist="38100" dir="2700000" algn="tl">
+                    <a:srgbClr val="000000">
+                      <a:alpha val="43137"/>
+                    </a:srgbClr>
+                  </a:outerShdw>
+                </a:effectLst>
+              </a:rPr>
+              <a:t>Структура на приложението </a:t>
+            </a:r>
+            <a:endParaRPr lang="bg-BG" sz="4000" b="1" dirty="0">
+              <a:effectLst>
+                <a:outerShdw blurRad="38100" dist="38100" dir="2700000" algn="tl">
+                  <a:srgbClr val="000000">
+                    <a:alpha val="43137"/>
+                  </a:srgbClr>
+                </a:outerShdw>
+              </a:effectLst>
+            </a:endParaRPr>
+          </a:p>
+        </p:txBody>
+      </p:sp>
+      <p:pic>
+        <p:nvPicPr>
+          <p:cNvPr id="3" name="Picture 2"/>
+          <p:cNvPicPr>
+            <a:picLocks noChangeAspect="1"/>
+          </p:cNvPicPr>
+          <p:nvPr/>
+        </p:nvPicPr>
+        <p:blipFill>
+          <a:blip r:embed="rId3"/>
+          <a:stretch>
+            <a:fillRect/>
+          </a:stretch>
+        </p:blipFill>
+        <p:spPr>
+          <a:xfrm>
+            <a:off x="0" y="643703"/>
+            <a:ext cx="12191999" cy="6311030"/>
+          </a:xfrm>
+          <a:prstGeom prst="rect">
+            <a:avLst/>
+          </a:prstGeom>
+        </p:spPr>
+      </p:pic>
     </p:spTree>
     <p:extLst>
       <p:ext uri="{BB962C8B-B14F-4D97-AF65-F5344CB8AC3E}">
@@ -7693,6 +7958,13 @@
   <p:clrMapOvr>
     <a:masterClrMapping/>
   </p:clrMapOvr>
+  <p:timing>
+    <p:tnLst>
+      <p:par>
+        <p:cTn id="1" dur="indefinite" restart="never" nodeType="tmRoot"/>
+      </p:par>
+    </p:tnLst>
+  </p:timing>
 </p:sld>
 </file>
 
@@ -7713,21 +7985,45 @@
           <a:chExt cx="0" cy="0"/>
         </a:xfrm>
       </p:grpSpPr>
-      <p:sp>
-        <p:nvSpPr>
-          <p:cNvPr id="2" name="Rectangle 1"/>
-          <p:cNvSpPr/>
+      <p:pic>
+        <p:nvPicPr>
+          <p:cNvPr id="8" name="Picture 7"/>
+          <p:cNvPicPr>
+            <a:picLocks noChangeAspect="1"/>
+          </p:cNvPicPr>
           <p:nvPr/>
-        </p:nvSpPr>
+        </p:nvPicPr>
+        <p:blipFill>
+          <a:blip r:embed="rId3"/>
+          <a:stretch>
+            <a:fillRect/>
+          </a:stretch>
+        </p:blipFill>
         <p:spPr>
           <a:xfrm>
-            <a:off x="646239" y="542078"/>
-            <a:ext cx="671979" cy="369332"/>
+            <a:off x="180075" y="1100773"/>
+            <a:ext cx="4455415" cy="823443"/>
           </a:xfrm>
           <a:prstGeom prst="rect">
             <a:avLst/>
           </a:prstGeom>
         </p:spPr>
+      </p:pic>
+      <p:sp>
+        <p:nvSpPr>
+          <p:cNvPr id="2" name="Rectangle 1"/>
+          <p:cNvSpPr/>
+          <p:nvPr/>
+        </p:nvSpPr>
+        <p:spPr>
+          <a:xfrm>
+            <a:off x="810013" y="148631"/>
+            <a:ext cx="1268296" cy="707886"/>
+          </a:xfrm>
+          <a:prstGeom prst="rect">
+            <a:avLst/>
+          </a:prstGeom>
+        </p:spPr>
         <p:txBody>
           <a:bodyPr wrap="none">
             <a:spAutoFit/>
@@ -7735,10 +8031,238 @@
           <a:lstStyle/>
           <a:p>
             <a:r>
-              <a:rPr lang="en-US" dirty="0"/>
+              <a:rPr lang="en-US" sz="4000" b="1" dirty="0">
+                <a:effectLst>
+                  <a:outerShdw blurRad="38100" dist="38100" dir="2700000" algn="tl">
+                    <a:srgbClr val="000000">
+                      <a:alpha val="43137"/>
+                    </a:srgbClr>
+                  </a:outerShdw>
+                </a:effectLst>
+              </a:rPr>
               <a:t>URLs</a:t>
             </a:r>
-            <a:endParaRPr lang="bg-BG" dirty="0"/>
+            <a:endParaRPr lang="bg-BG" sz="4000" b="1" dirty="0">
+              <a:effectLst>
+                <a:outerShdw blurRad="38100" dist="38100" dir="2700000" algn="tl">
+                  <a:srgbClr val="000000">
+                    <a:alpha val="43137"/>
+                  </a:srgbClr>
+                </a:outerShdw>
+              </a:effectLst>
+            </a:endParaRPr>
+          </a:p>
+        </p:txBody>
+      </p:sp>
+      <p:pic>
+        <p:nvPicPr>
+          <p:cNvPr id="3" name="Picture 2"/>
+          <p:cNvPicPr>
+            <a:picLocks noChangeAspect="1"/>
+          </p:cNvPicPr>
+          <p:nvPr/>
+        </p:nvPicPr>
+        <p:blipFill>
+          <a:blip r:embed="rId4"/>
+          <a:stretch>
+            <a:fillRect/>
+          </a:stretch>
+        </p:blipFill>
+        <p:spPr>
+          <a:xfrm>
+            <a:off x="4939664" y="244166"/>
+            <a:ext cx="6999051" cy="6369668"/>
+          </a:xfrm>
+          <a:prstGeom prst="rect">
+            <a:avLst/>
+          </a:prstGeom>
+        </p:spPr>
+      </p:pic>
+      <p:sp>
+        <p:nvSpPr>
+          <p:cNvPr id="7" name="Right Arrow 6"/>
+          <p:cNvSpPr/>
+          <p:nvPr/>
+        </p:nvSpPr>
+        <p:spPr>
+          <a:xfrm rot="1200567">
+            <a:off x="3271548" y="1774666"/>
+            <a:ext cx="2268378" cy="265057"/>
+          </a:xfrm>
+          <a:prstGeom prst="rightArrow">
+            <a:avLst/>
+          </a:prstGeom>
+          <a:solidFill>
+            <a:srgbClr val="FF0000"/>
+          </a:solidFill>
+          <a:ln>
+            <a:solidFill>
+              <a:srgbClr val="FF0000"/>
+            </a:solidFill>
+          </a:ln>
+        </p:spPr>
+        <p:style>
+          <a:lnRef idx="2">
+            <a:schemeClr val="accent1">
+              <a:shade val="50000"/>
+            </a:schemeClr>
+          </a:lnRef>
+          <a:fillRef idx="1">
+            <a:schemeClr val="accent1"/>
+          </a:fillRef>
+          <a:effectRef idx="0">
+            <a:schemeClr val="accent1"/>
+          </a:effectRef>
+          <a:fontRef idx="minor">
+            <a:schemeClr val="lt1"/>
+          </a:fontRef>
+        </p:style>
+        <p:txBody>
+          <a:bodyPr rtlCol="0" anchor="ctr"/>
+          <a:lstStyle/>
+          <a:p>
+            <a:pPr algn="ctr"/>
+            <a:endParaRPr lang="bg-BG"/>
+          </a:p>
+        </p:txBody>
+      </p:sp>
+      <p:pic>
+        <p:nvPicPr>
+          <p:cNvPr id="9" name="Picture 8"/>
+          <p:cNvPicPr>
+            <a:picLocks noChangeAspect="1"/>
+          </p:cNvPicPr>
+          <p:nvPr/>
+        </p:nvPicPr>
+        <p:blipFill>
+          <a:blip r:embed="rId5"/>
+          <a:stretch>
+            <a:fillRect/>
+          </a:stretch>
+        </p:blipFill>
+        <p:spPr>
+          <a:xfrm>
+            <a:off x="190482" y="2751358"/>
+            <a:ext cx="4445008" cy="3678846"/>
+          </a:xfrm>
+          <a:prstGeom prst="rect">
+            <a:avLst/>
+          </a:prstGeom>
+        </p:spPr>
+      </p:pic>
+      <p:pic>
+        <p:nvPicPr>
+          <p:cNvPr id="10" name="Picture 9"/>
+          <p:cNvPicPr>
+            <a:picLocks noChangeAspect="1"/>
+          </p:cNvPicPr>
+          <p:nvPr/>
+        </p:nvPicPr>
+        <p:blipFill>
+          <a:blip r:embed="rId6"/>
+          <a:stretch>
+            <a:fillRect/>
+          </a:stretch>
+        </p:blipFill>
+        <p:spPr>
+          <a:xfrm rot="7797375">
+            <a:off x="4584403" y="2563964"/>
+            <a:ext cx="2182557" cy="951058"/>
+          </a:xfrm>
+          <a:prstGeom prst="rect">
+            <a:avLst/>
+          </a:prstGeom>
+        </p:spPr>
+      </p:pic>
+      <p:sp>
+        <p:nvSpPr>
+          <p:cNvPr id="11" name="Oval 10"/>
+          <p:cNvSpPr/>
+          <p:nvPr/>
+        </p:nvSpPr>
+        <p:spPr>
+          <a:xfrm>
+            <a:off x="1146484" y="964157"/>
+            <a:ext cx="2203801" cy="1080953"/>
+          </a:xfrm>
+          <a:prstGeom prst="ellipse">
+            <a:avLst/>
+          </a:prstGeom>
+          <a:noFill/>
+          <a:ln>
+            <a:solidFill>
+              <a:srgbClr val="FF0000"/>
+            </a:solidFill>
+          </a:ln>
+        </p:spPr>
+        <p:style>
+          <a:lnRef idx="2">
+            <a:schemeClr val="accent1">
+              <a:shade val="50000"/>
+            </a:schemeClr>
+          </a:lnRef>
+          <a:fillRef idx="1">
+            <a:schemeClr val="accent1"/>
+          </a:fillRef>
+          <a:effectRef idx="0">
+            <a:schemeClr val="accent1"/>
+          </a:effectRef>
+          <a:fontRef idx="minor">
+            <a:schemeClr val="lt1"/>
+          </a:fontRef>
+        </p:style>
+        <p:txBody>
+          <a:bodyPr rtlCol="0" anchor="ctr"/>
+          <a:lstStyle/>
+          <a:p>
+            <a:pPr algn="ctr"/>
+            <a:endParaRPr lang="bg-BG"/>
+          </a:p>
+        </p:txBody>
+      </p:sp>
+      <p:sp>
+        <p:nvSpPr>
+          <p:cNvPr id="12" name="Oval 11"/>
+          <p:cNvSpPr/>
+          <p:nvPr/>
+        </p:nvSpPr>
+        <p:spPr>
+          <a:xfrm>
+            <a:off x="6584387" y="2115015"/>
+            <a:ext cx="1491916" cy="569632"/>
+          </a:xfrm>
+          <a:prstGeom prst="ellipse">
+            <a:avLst/>
+          </a:prstGeom>
+          <a:noFill/>
+          <a:ln>
+            <a:solidFill>
+              <a:srgbClr val="FF0000"/>
+            </a:solidFill>
+          </a:ln>
+        </p:spPr>
+        <p:style>
+          <a:lnRef idx="2">
+            <a:schemeClr val="accent1">
+              <a:shade val="50000"/>
+            </a:schemeClr>
+          </a:lnRef>
+          <a:fillRef idx="1">
+            <a:schemeClr val="accent1"/>
+          </a:fillRef>
+          <a:effectRef idx="0">
+            <a:schemeClr val="accent1"/>
+          </a:effectRef>
+          <a:fontRef idx="minor">
+            <a:schemeClr val="lt1"/>
+          </a:fontRef>
+        </p:style>
+        <p:txBody>
+          <a:bodyPr rtlCol="0" anchor="ctr"/>
+          <a:lstStyle/>
+          <a:p>
+            <a:pPr algn="ctr"/>
+            <a:endParaRPr lang="bg-BG"/>
           </a:p>
         </p:txBody>
       </p:sp>
@@ -7752,6 +8276,13 @@
   <p:clrMapOvr>
     <a:masterClrMapping/>
   </p:clrMapOvr>
+  <p:timing>
+    <p:tnLst>
+      <p:par>
+        <p:cTn id="1" dur="indefinite" restart="never" nodeType="tmRoot"/>
+      </p:par>
+    </p:tnLst>
+  </p:timing>
 </p:sld>
 </file>
 
@@ -7780,8 +8311,8 @@
         </p:nvSpPr>
         <p:spPr>
           <a:xfrm>
-            <a:off x="341825" y="473838"/>
-            <a:ext cx="1938351" cy="369332"/>
+            <a:off x="7239930" y="361543"/>
+            <a:ext cx="4089581" cy="707886"/>
           </a:xfrm>
           <a:prstGeom prst="rect">
             <a:avLst/>
@@ -7794,13 +8325,68 @@
           <a:lstStyle/>
           <a:p>
             <a:r>
-              <a:rPr lang="bg-BG" dirty="0"/>
+              <a:rPr lang="bg-BG" sz="4000" b="1" dirty="0">
+                <a:effectLst>
+                  <a:outerShdw blurRad="38100" dist="38100" dir="2700000" algn="tl">
+                    <a:srgbClr val="000000">
+                      <a:alpha val="43137"/>
+                    </a:srgbClr>
+                  </a:outerShdw>
+                </a:effectLst>
+              </a:rPr>
               <a:t>Шаблонизатор</a:t>
             </a:r>
-            <a:endParaRPr lang="bg-BG" dirty="0"/>
-          </a:p>
-        </p:txBody>
-      </p:sp>
+          </a:p>
+        </p:txBody>
+      </p:sp>
+      <p:pic>
+        <p:nvPicPr>
+          <p:cNvPr id="4" name="Picture 3"/>
+          <p:cNvPicPr>
+            <a:picLocks noChangeAspect="1"/>
+          </p:cNvPicPr>
+          <p:nvPr/>
+        </p:nvPicPr>
+        <p:blipFill>
+          <a:blip r:embed="rId3"/>
+          <a:stretch>
+            <a:fillRect/>
+          </a:stretch>
+        </p:blipFill>
+        <p:spPr>
+          <a:xfrm>
+            <a:off x="160421" y="160027"/>
+            <a:ext cx="5561624" cy="5181010"/>
+          </a:xfrm>
+          <a:prstGeom prst="rect">
+            <a:avLst/>
+          </a:prstGeom>
+        </p:spPr>
+      </p:pic>
+      <p:pic>
+        <p:nvPicPr>
+          <p:cNvPr id="3" name="Picture 2"/>
+          <p:cNvPicPr>
+            <a:picLocks noChangeAspect="1"/>
+          </p:cNvPicPr>
+          <p:nvPr/>
+        </p:nvPicPr>
+        <p:blipFill>
+          <a:blip r:embed="rId4"/>
+          <a:stretch>
+            <a:fillRect/>
+          </a:stretch>
+        </p:blipFill>
+        <p:spPr>
+          <a:xfrm>
+            <a:off x="5068356" y="1530276"/>
+            <a:ext cx="6963223" cy="5181009"/>
+          </a:xfrm>
+          <a:prstGeom prst="rect">
+            <a:avLst/>
+          </a:prstGeom>
+        </p:spPr>
+      </p:pic>
     </p:spTree>
     <p:extLst>
       <p:ext uri="{BB962C8B-B14F-4D97-AF65-F5344CB8AC3E}">
@@ -7811,6 +8397,13 @@
   <p:clrMapOvr>
     <a:masterClrMapping/>
   </p:clrMapOvr>
+  <p:timing>
+    <p:tnLst>
+      <p:par>
+        <p:cTn id="1" dur="indefinite" restart="never" nodeType="tmRoot"/>
+      </p:par>
+    </p:tnLst>
+  </p:timing>
 </p:sld>
 </file>
 
@@ -7839,8 +8432,8 @@
         </p:nvSpPr>
         <p:spPr>
           <a:xfrm>
-            <a:off x="379096" y="473838"/>
-            <a:ext cx="2182008" cy="369332"/>
+            <a:off x="395138" y="277409"/>
+            <a:ext cx="4620176" cy="707886"/>
           </a:xfrm>
           <a:prstGeom prst="rect">
             <a:avLst/>
@@ -7853,10 +8446,244 @@
           <a:lstStyle/>
           <a:p>
             <a:r>
-              <a:rPr lang="bg-BG" dirty="0"/>
+              <a:rPr lang="bg-BG" sz="4000" b="1" dirty="0">
+                <a:effectLst>
+                  <a:outerShdw blurRad="38100" dist="38100" dir="2700000" algn="tl">
+                    <a:srgbClr val="000000">
+                      <a:alpha val="43137"/>
+                    </a:srgbClr>
+                  </a:outerShdw>
+                </a:effectLst>
+              </a:rPr>
               <a:t>Алгоритъм общо</a:t>
             </a:r>
-            <a:endParaRPr lang="bg-BG" dirty="0"/>
+          </a:p>
+        </p:txBody>
+      </p:sp>
+      <p:pic>
+        <p:nvPicPr>
+          <p:cNvPr id="6" name="Picture 5"/>
+          <p:cNvPicPr>
+            <a:picLocks noChangeAspect="1"/>
+          </p:cNvPicPr>
+          <p:nvPr/>
+        </p:nvPicPr>
+        <p:blipFill>
+          <a:blip r:embed="rId3"/>
+          <a:stretch>
+            <a:fillRect/>
+          </a:stretch>
+        </p:blipFill>
+        <p:spPr>
+          <a:xfrm>
+            <a:off x="5631242" y="3429000"/>
+            <a:ext cx="6444094" cy="3260558"/>
+          </a:xfrm>
+          <a:prstGeom prst="rect">
+            <a:avLst/>
+          </a:prstGeom>
+          <a:effectLst>
+            <a:outerShdw blurRad="50800" dist="38100" dir="2700000" algn="tl" rotWithShape="0">
+              <a:prstClr val="black">
+                <a:alpha val="40000"/>
+              </a:prstClr>
+            </a:outerShdw>
+          </a:effectLst>
+        </p:spPr>
+      </p:pic>
+      <p:pic>
+        <p:nvPicPr>
+          <p:cNvPr id="4" name="Picture 3"/>
+          <p:cNvPicPr>
+            <a:picLocks noChangeAspect="1"/>
+          </p:cNvPicPr>
+          <p:nvPr/>
+        </p:nvPicPr>
+        <p:blipFill>
+          <a:blip r:embed="rId4"/>
+          <a:stretch>
+            <a:fillRect/>
+          </a:stretch>
+        </p:blipFill>
+        <p:spPr>
+          <a:xfrm>
+            <a:off x="3048001" y="2471104"/>
+            <a:ext cx="7637588" cy="1430050"/>
+          </a:xfrm>
+          <a:prstGeom prst="rect">
+            <a:avLst/>
+          </a:prstGeom>
+          <a:effectLst>
+            <a:outerShdw blurRad="50800" dist="38100" dir="2700000" algn="tl" rotWithShape="0">
+              <a:prstClr val="black">
+                <a:alpha val="40000"/>
+              </a:prstClr>
+            </a:outerShdw>
+          </a:effectLst>
+        </p:spPr>
+      </p:pic>
+      <p:pic>
+        <p:nvPicPr>
+          <p:cNvPr id="5" name="Picture 4"/>
+          <p:cNvPicPr>
+            <a:picLocks noChangeAspect="1"/>
+          </p:cNvPicPr>
+          <p:nvPr/>
+        </p:nvPicPr>
+        <p:blipFill rotWithShape="1">
+          <a:blip r:embed="rId5"/>
+          <a:srcRect t="598"/>
+          <a:stretch/>
+        </p:blipFill>
+        <p:spPr>
+          <a:xfrm>
+            <a:off x="5631242" y="277409"/>
+            <a:ext cx="6444094" cy="2665849"/>
+          </a:xfrm>
+          <a:prstGeom prst="rect">
+            <a:avLst/>
+          </a:prstGeom>
+          <a:effectLst>
+            <a:outerShdw blurRad="50800" dist="38100" dir="2700000" algn="tl" rotWithShape="0">
+              <a:prstClr val="black">
+                <a:alpha val="40000"/>
+              </a:prstClr>
+            </a:outerShdw>
+          </a:effectLst>
+        </p:spPr>
+      </p:pic>
+      <p:sp>
+        <p:nvSpPr>
+          <p:cNvPr id="7" name="Rectangle 6"/>
+          <p:cNvSpPr/>
+          <p:nvPr/>
+        </p:nvSpPr>
+        <p:spPr>
+          <a:xfrm>
+            <a:off x="2417690" y="1317945"/>
+            <a:ext cx="2699778" cy="584775"/>
+          </a:xfrm>
+          <a:prstGeom prst="rect">
+            <a:avLst/>
+          </a:prstGeom>
+        </p:spPr>
+        <p:txBody>
+          <a:bodyPr wrap="none">
+            <a:spAutoFit/>
+          </a:bodyPr>
+          <a:lstStyle/>
+          <a:p>
+            <a:r>
+              <a:rPr lang="bg-BG" sz="3200" b="1" dirty="0" smtClean="0">
+                <a:effectLst>
+                  <a:outerShdw blurRad="38100" dist="38100" dir="2700000" algn="tl">
+                    <a:srgbClr val="000000">
+                      <a:alpha val="43137"/>
+                    </a:srgbClr>
+                  </a:outerShdw>
+                </a:effectLst>
+              </a:rPr>
+              <a:t>Пазаруване</a:t>
+            </a:r>
+            <a:endParaRPr lang="bg-BG" sz="3200" b="1" dirty="0">
+              <a:effectLst>
+                <a:outerShdw blurRad="38100" dist="38100" dir="2700000" algn="tl">
+                  <a:srgbClr val="000000">
+                    <a:alpha val="43137"/>
+                  </a:srgbClr>
+                </a:outerShdw>
+              </a:effectLst>
+            </a:endParaRPr>
+          </a:p>
+        </p:txBody>
+      </p:sp>
+      <p:sp>
+        <p:nvSpPr>
+          <p:cNvPr id="9" name="Rectangle 8"/>
+          <p:cNvSpPr/>
+          <p:nvPr/>
+        </p:nvSpPr>
+        <p:spPr>
+          <a:xfrm>
+            <a:off x="193703" y="2844225"/>
+            <a:ext cx="2581156" cy="584775"/>
+          </a:xfrm>
+          <a:prstGeom prst="rect">
+            <a:avLst/>
+          </a:prstGeom>
+        </p:spPr>
+        <p:txBody>
+          <a:bodyPr wrap="none">
+            <a:spAutoFit/>
+          </a:bodyPr>
+          <a:lstStyle/>
+          <a:p>
+            <a:r>
+              <a:rPr lang="bg-BG" sz="3200" b="1" dirty="0">
+                <a:effectLst>
+                  <a:outerShdw blurRad="38100" dist="38100" dir="2700000" algn="tl">
+                    <a:srgbClr val="000000">
+                      <a:alpha val="43137"/>
+                    </a:srgbClr>
+                  </a:outerShdw>
+                </a:effectLst>
+              </a:rPr>
+              <a:t>Обработка</a:t>
+            </a:r>
+            <a:endParaRPr lang="bg-BG" sz="3200" b="1" dirty="0">
+              <a:effectLst>
+                <a:outerShdw blurRad="38100" dist="38100" dir="2700000" algn="tl">
+                  <a:srgbClr val="000000">
+                    <a:alpha val="43137"/>
+                  </a:srgbClr>
+                </a:outerShdw>
+              </a:effectLst>
+            </a:endParaRPr>
+          </a:p>
+        </p:txBody>
+      </p:sp>
+      <p:sp>
+        <p:nvSpPr>
+          <p:cNvPr id="10" name="Rectangle 9"/>
+          <p:cNvSpPr/>
+          <p:nvPr/>
+        </p:nvSpPr>
+        <p:spPr>
+          <a:xfrm>
+            <a:off x="2153194" y="5048925"/>
+            <a:ext cx="3228769" cy="584775"/>
+          </a:xfrm>
+          <a:prstGeom prst="rect">
+            <a:avLst/>
+          </a:prstGeom>
+        </p:spPr>
+        <p:txBody>
+          <a:bodyPr wrap="none">
+            <a:spAutoFit/>
+          </a:bodyPr>
+          <a:lstStyle/>
+          <a:p>
+            <a:r>
+              <a:rPr lang="bg-BG" sz="3200" b="1" dirty="0">
+                <a:effectLst>
+                  <a:outerShdw blurRad="38100" dist="38100" dir="2700000" algn="tl">
+                    <a:srgbClr val="000000">
+                      <a:alpha val="43137"/>
+                    </a:srgbClr>
+                  </a:outerShdw>
+                </a:effectLst>
+              </a:rPr>
+              <a:t>Проследяване</a:t>
+            </a:r>
+            <a:endParaRPr lang="bg-BG" sz="3200" b="1" dirty="0">
+              <a:effectLst>
+                <a:outerShdw blurRad="38100" dist="38100" dir="2700000" algn="tl">
+                  <a:srgbClr val="000000">
+                    <a:alpha val="43137"/>
+                  </a:srgbClr>
+                </a:outerShdw>
+              </a:effectLst>
+            </a:endParaRPr>
           </a:p>
         </p:txBody>
       </p:sp>
@@ -7870,12 +8697,33 @@
   <p:clrMapOvr>
     <a:masterClrMapping/>
   </p:clrMapOvr>
+  <p:timing>
+    <p:tnLst>
+      <p:par>
+        <p:cTn id="1" dur="indefinite" restart="never" nodeType="tmRoot"/>
+      </p:par>
+    </p:tnLst>
+  </p:timing>
 </p:sld>
 </file>
 
 <file path=ppt/slides/slide9.xml><?xml version="1.0" encoding="utf-8"?>
 <p:sld xmlns:a="http://schemas.openxmlformats.org/drawingml/2006/main" xmlns:r="http://schemas.openxmlformats.org/officeDocument/2006/relationships" xmlns:p="http://schemas.openxmlformats.org/presentationml/2006/main">
   <p:cSld>
+    <p:bg>
+      <p:bgPr>
+        <a:blipFill dpi="0" rotWithShape="1">
+          <a:blip r:embed="rId3">
+            <a:lum/>
+          </a:blip>
+          <a:srcRect/>
+          <a:stretch>
+            <a:fillRect l="-3000" r="-3000"/>
+          </a:stretch>
+        </a:blipFill>
+        <a:effectLst/>
+      </p:bgPr>
+    </p:bg>
     <p:spTree>
       <p:nvGrpSpPr>
         <p:cNvPr id="1" name=""/>
@@ -7929,13 +8777,20 @@
   <p:clrMapOvr>
     <a:masterClrMapping/>
   </p:clrMapOvr>
+  <p:timing>
+    <p:tnLst>
+      <p:par>
+        <p:cTn id="1" dur="indefinite" restart="never" nodeType="tmRoot"/>
+      </p:par>
+    </p:tnLst>
+  </p:timing>
 </p:sld>
 </file>
 
 <file path=ppt/theme/theme1.xml><?xml version="1.0" encoding="utf-8"?>
 <a:theme xmlns:a="http://schemas.openxmlformats.org/drawingml/2006/main" name="Slice">
   <a:themeElements>
-    <a:clrScheme name="Office 2007-2010">
+    <a:clrScheme name="Slice">
       <a:dk1>
         <a:sysClr val="windowText" lastClr="000000"/>
       </a:dk1>
@@ -7943,34 +8798,34 @@
         <a:sysClr val="window" lastClr="FFFFFF"/>
       </a:lt1>
       <a:dk2>
-        <a:srgbClr val="1F497D"/>
+        <a:srgbClr val="146194"/>
       </a:dk2>
       <a:lt2>
-        <a:srgbClr val="EEECE1"/>
+        <a:srgbClr val="76DBF4"/>
       </a:lt2>
       <a:accent1>
-        <a:srgbClr val="4F81BD"/>
+        <a:srgbClr val="052F61"/>
       </a:accent1>
       <a:accent2>
-        <a:srgbClr val="C0504D"/>
+        <a:srgbClr val="A50E82"/>
       </a:accent2>
       <a:accent3>
-        <a:srgbClr val="9BBB59"/>
+        <a:srgbClr val="14967C"/>
       </a:accent3>
       <a:accent4>
-        <a:srgbClr val="8064A2"/>
+        <a:srgbClr val="6A9E1F"/>
       </a:accent4>
       <a:accent5>
-        <a:srgbClr val="4BACC6"/>
+        <a:srgbClr val="E87D37"/>
       </a:accent5>
       <a:accent6>
-        <a:srgbClr val="F79646"/>
+        <a:srgbClr val="C62324"/>
       </a:accent6>
       <a:hlink>
-        <a:srgbClr val="0000FF"/>
+        <a:srgbClr val="0D2E46"/>
       </a:hlink>
       <a:folHlink>
-        <a:srgbClr val="800080"/>
+        <a:srgbClr val="356A95"/>
       </a:folHlink>
     </a:clrScheme>
     <a:fontScheme name="Slice">
@@ -8156,17 +9011,16 @@
             <a:gs pos="10000">
               <a:schemeClr val="phClr">
                 <a:tint val="97000"/>
-                <a:hueMod val="142000"/>
-                <a:satMod val="200000"/>
-                <a:lumMod val="118000"/>
+                <a:hueMod val="92000"/>
+                <a:satMod val="169000"/>
+                <a:lumMod val="164000"/>
               </a:schemeClr>
             </a:gs>
             <a:gs pos="100000">
               <a:schemeClr val="phClr">
-                <a:shade val="94000"/>
-                <a:hueMod val="22000"/>
-                <a:satMod val="220000"/>
-                <a:lumMod val="62000"/>
+                <a:shade val="96000"/>
+                <a:satMod val="120000"/>
+                <a:lumMod val="90000"/>
               </a:schemeClr>
             </a:gs>
           </a:gsLst>
@@ -8177,17 +9031,16 @@
             <a:gs pos="0">
               <a:schemeClr val="phClr">
                 <a:tint val="97000"/>
-                <a:hueMod val="142000"/>
-                <a:satMod val="200000"/>
-                <a:lumMod val="118000"/>
+                <a:hueMod val="92000"/>
+                <a:satMod val="169000"/>
+                <a:lumMod val="164000"/>
               </a:schemeClr>
             </a:gs>
             <a:gs pos="100000">
               <a:schemeClr val="phClr">
-                <a:shade val="92000"/>
-                <a:hueMod val="22000"/>
-                <a:satMod val="220000"/>
-                <a:lumMod val="62000"/>
+                <a:shade val="96000"/>
+                <a:satMod val="120000"/>
+                <a:lumMod val="90000"/>
               </a:schemeClr>
             </a:gs>
           </a:gsLst>
@@ -8202,7 +9055,7 @@
   <a:extraClrSchemeLst/>
   <a:extLst>
     <a:ext uri="{05A4C25C-085E-4340-85A3-A5531E510DB2}">
-      <thm15:themeFamily xmlns:thm15="http://schemas.microsoft.com/office/thememl/2012/main" name="Slice" id="{0507925B-6AC9-4358-8E18-C330545D08F8}" vid="{2903AAAE-3EA5-424A-B142-CC51DC1F897D}"/>
+      <thm15:themeFamily xmlns:thm15="http://schemas.microsoft.com/office/thememl/2012/main" name="Slice" id="{0507925B-6AC9-4358-8E18-C330545D08F8}" vid="{13FEC7C6-62A9-40C4-99D2-581AACACAA2F}"/>
     </a:ext>
   </a:extLst>
 </a:theme>
